--- a/api_lection_tfg.pptx
+++ b/api_lection_tfg.pptx
@@ -5,7 +5,7 @@
     <p:sldMasterId id="2147483648" r:id="rId1"/>
   </p:sldMasterIdLst>
   <p:notesMasterIdLst>
-    <p:notesMasterId r:id="rId16"/>
+    <p:notesMasterId r:id="rId18"/>
   </p:notesMasterIdLst>
   <p:sldIdLst>
     <p:sldId id="299" r:id="rId2"/>
@@ -22,6 +22,8 @@
     <p:sldId id="311" r:id="rId13"/>
     <p:sldId id="312" r:id="rId14"/>
     <p:sldId id="313" r:id="rId15"/>
+    <p:sldId id="314" r:id="rId16"/>
+    <p:sldId id="315" r:id="rId17"/>
   </p:sldIdLst>
   <p:sldSz cx="12192000" cy="6858000"/>
   <p:notesSz cx="6858000" cy="9144000"/>
@@ -216,7 +218,7 @@
           <a:p>
             <a:fld id="{6B5530D2-9837-4C0C-A518-74C6CD773D72}" type="datetimeFigureOut">
               <a:rPr lang="en-US" smtClean="0"/>
-              <a:t>9/22/2025</a:t>
+              <a:t>9/25/2025</a:t>
             </a:fld>
             <a:endParaRPr lang="en-US"/>
           </a:p>
@@ -1023,6 +1025,222 @@
 </p:notes>
 </file>
 
+<file path=ppt/notesSlides/notesSlide14.xml><?xml version="1.0" encoding="utf-8"?>
+<p:notes xmlns:a="http://schemas.openxmlformats.org/drawingml/2006/main" xmlns:r="http://schemas.openxmlformats.org/officeDocument/2006/relationships" xmlns:p="http://schemas.openxmlformats.org/presentationml/2006/main">
+  <p:cSld>
+    <p:spTree>
+      <p:nvGrpSpPr>
+        <p:cNvPr id="1" name="">
+          <a:extLst>
+            <a:ext uri="{FF2B5EF4-FFF2-40B4-BE49-F238E27FC236}">
+              <a16:creationId xmlns:a16="http://schemas.microsoft.com/office/drawing/2014/main" id="{F311AC0F-C5C6-50B5-431E-DF5FF07BAFA2}"/>
+            </a:ext>
+          </a:extLst>
+        </p:cNvPr>
+        <p:cNvGrpSpPr/>
+        <p:nvPr/>
+      </p:nvGrpSpPr>
+      <p:grpSpPr>
+        <a:xfrm>
+          <a:off x="0" y="0"/>
+          <a:ext cx="0" cy="0"/>
+          <a:chOff x="0" y="0"/>
+          <a:chExt cx="0" cy="0"/>
+        </a:xfrm>
+      </p:grpSpPr>
+      <p:sp>
+        <p:nvSpPr>
+          <p:cNvPr id="2" name="Slide Image Placeholder 1">
+            <a:extLst>
+              <a:ext uri="{FF2B5EF4-FFF2-40B4-BE49-F238E27FC236}">
+                <a16:creationId xmlns:a16="http://schemas.microsoft.com/office/drawing/2014/main" id="{6D18CB48-213D-9599-CFE4-7597C8DDE3BD}"/>
+              </a:ext>
+            </a:extLst>
+          </p:cNvPr>
+          <p:cNvSpPr>
+            <a:spLocks noGrp="1" noRot="1" noChangeAspect="1"/>
+          </p:cNvSpPr>
+          <p:nvPr>
+            <p:ph type="sldImg"/>
+          </p:nvPr>
+        </p:nvSpPr>
+        <p:spPr/>
+      </p:sp>
+      <p:sp>
+        <p:nvSpPr>
+          <p:cNvPr id="3" name="Notes Placeholder 2">
+            <a:extLst>
+              <a:ext uri="{FF2B5EF4-FFF2-40B4-BE49-F238E27FC236}">
+                <a16:creationId xmlns:a16="http://schemas.microsoft.com/office/drawing/2014/main" id="{590A4D5D-37F0-7F20-0B5E-2017AC71313A}"/>
+              </a:ext>
+            </a:extLst>
+          </p:cNvPr>
+          <p:cNvSpPr>
+            <a:spLocks noGrp="1"/>
+          </p:cNvSpPr>
+          <p:nvPr>
+            <p:ph type="body" idx="1"/>
+          </p:nvPr>
+        </p:nvSpPr>
+        <p:spPr/>
+        <p:txBody>
+          <a:bodyPr/>
+          <a:lstStyle/>
+          <a:p>
+            <a:endParaRPr lang="en-US" dirty="0"/>
+          </a:p>
+        </p:txBody>
+      </p:sp>
+      <p:sp>
+        <p:nvSpPr>
+          <p:cNvPr id="4" name="Slide Number Placeholder 3">
+            <a:extLst>
+              <a:ext uri="{FF2B5EF4-FFF2-40B4-BE49-F238E27FC236}">
+                <a16:creationId xmlns:a16="http://schemas.microsoft.com/office/drawing/2014/main" id="{A00E0606-9DDA-4B9D-F06F-510E4166DB98}"/>
+              </a:ext>
+            </a:extLst>
+          </p:cNvPr>
+          <p:cNvSpPr>
+            <a:spLocks noGrp="1"/>
+          </p:cNvSpPr>
+          <p:nvPr>
+            <p:ph type="sldNum" sz="quarter" idx="5"/>
+          </p:nvPr>
+        </p:nvSpPr>
+        <p:spPr/>
+        <p:txBody>
+          <a:bodyPr/>
+          <a:lstStyle/>
+          <a:p>
+            <a:fld id="{978C2A9F-2152-448B-AF1D-716F001B6DB4}" type="slidenum">
+              <a:rPr lang="en-US" smtClean="0"/>
+              <a:t>15</a:t>
+            </a:fld>
+            <a:endParaRPr lang="en-US"/>
+          </a:p>
+        </p:txBody>
+      </p:sp>
+    </p:spTree>
+    <p:extLst>
+      <p:ext uri="{BB962C8B-B14F-4D97-AF65-F5344CB8AC3E}">
+        <p14:creationId xmlns:p14="http://schemas.microsoft.com/office/powerpoint/2010/main" val="405124098"/>
+      </p:ext>
+    </p:extLst>
+  </p:cSld>
+  <p:clrMapOvr>
+    <a:masterClrMapping/>
+  </p:clrMapOvr>
+</p:notes>
+</file>
+
+<file path=ppt/notesSlides/notesSlide15.xml><?xml version="1.0" encoding="utf-8"?>
+<p:notes xmlns:a="http://schemas.openxmlformats.org/drawingml/2006/main" xmlns:r="http://schemas.openxmlformats.org/officeDocument/2006/relationships" xmlns:p="http://schemas.openxmlformats.org/presentationml/2006/main">
+  <p:cSld>
+    <p:spTree>
+      <p:nvGrpSpPr>
+        <p:cNvPr id="1" name="">
+          <a:extLst>
+            <a:ext uri="{FF2B5EF4-FFF2-40B4-BE49-F238E27FC236}">
+              <a16:creationId xmlns:a16="http://schemas.microsoft.com/office/drawing/2014/main" id="{DF9E3844-E282-1F8F-06F8-851C31674A65}"/>
+            </a:ext>
+          </a:extLst>
+        </p:cNvPr>
+        <p:cNvGrpSpPr/>
+        <p:nvPr/>
+      </p:nvGrpSpPr>
+      <p:grpSpPr>
+        <a:xfrm>
+          <a:off x="0" y="0"/>
+          <a:ext cx="0" cy="0"/>
+          <a:chOff x="0" y="0"/>
+          <a:chExt cx="0" cy="0"/>
+        </a:xfrm>
+      </p:grpSpPr>
+      <p:sp>
+        <p:nvSpPr>
+          <p:cNvPr id="2" name="Slide Image Placeholder 1">
+            <a:extLst>
+              <a:ext uri="{FF2B5EF4-FFF2-40B4-BE49-F238E27FC236}">
+                <a16:creationId xmlns:a16="http://schemas.microsoft.com/office/drawing/2014/main" id="{BDE9AFB4-F540-4378-BB24-E6295D94E883}"/>
+              </a:ext>
+            </a:extLst>
+          </p:cNvPr>
+          <p:cNvSpPr>
+            <a:spLocks noGrp="1" noRot="1" noChangeAspect="1"/>
+          </p:cNvSpPr>
+          <p:nvPr>
+            <p:ph type="sldImg"/>
+          </p:nvPr>
+        </p:nvSpPr>
+        <p:spPr/>
+      </p:sp>
+      <p:sp>
+        <p:nvSpPr>
+          <p:cNvPr id="3" name="Notes Placeholder 2">
+            <a:extLst>
+              <a:ext uri="{FF2B5EF4-FFF2-40B4-BE49-F238E27FC236}">
+                <a16:creationId xmlns:a16="http://schemas.microsoft.com/office/drawing/2014/main" id="{D39277E0-C4F0-252F-2D14-95A722FDB8E7}"/>
+              </a:ext>
+            </a:extLst>
+          </p:cNvPr>
+          <p:cNvSpPr>
+            <a:spLocks noGrp="1"/>
+          </p:cNvSpPr>
+          <p:nvPr>
+            <p:ph type="body" idx="1"/>
+          </p:nvPr>
+        </p:nvSpPr>
+        <p:spPr/>
+        <p:txBody>
+          <a:bodyPr/>
+          <a:lstStyle/>
+          <a:p>
+            <a:endParaRPr lang="en-US" dirty="0"/>
+          </a:p>
+        </p:txBody>
+      </p:sp>
+      <p:sp>
+        <p:nvSpPr>
+          <p:cNvPr id="4" name="Slide Number Placeholder 3">
+            <a:extLst>
+              <a:ext uri="{FF2B5EF4-FFF2-40B4-BE49-F238E27FC236}">
+                <a16:creationId xmlns:a16="http://schemas.microsoft.com/office/drawing/2014/main" id="{005C20B8-5595-800B-EE16-4047DAFC4009}"/>
+              </a:ext>
+            </a:extLst>
+          </p:cNvPr>
+          <p:cNvSpPr>
+            <a:spLocks noGrp="1"/>
+          </p:cNvSpPr>
+          <p:nvPr>
+            <p:ph type="sldNum" sz="quarter" idx="5"/>
+          </p:nvPr>
+        </p:nvSpPr>
+        <p:spPr/>
+        <p:txBody>
+          <a:bodyPr/>
+          <a:lstStyle/>
+          <a:p>
+            <a:fld id="{978C2A9F-2152-448B-AF1D-716F001B6DB4}" type="slidenum">
+              <a:rPr lang="en-US" smtClean="0"/>
+              <a:t>16</a:t>
+            </a:fld>
+            <a:endParaRPr lang="en-US"/>
+          </a:p>
+        </p:txBody>
+      </p:sp>
+    </p:spTree>
+    <p:extLst>
+      <p:ext uri="{BB962C8B-B14F-4D97-AF65-F5344CB8AC3E}">
+        <p14:creationId xmlns:p14="http://schemas.microsoft.com/office/powerpoint/2010/main" val="3622251694"/>
+      </p:ext>
+    </p:extLst>
+  </p:cSld>
+  <p:clrMapOvr>
+    <a:masterClrMapping/>
+  </p:clrMapOvr>
+</p:notes>
+</file>
+
 <file path=ppt/notesSlides/notesSlide2.xml><?xml version="1.0" encoding="utf-8"?>
 <p:notes xmlns:a="http://schemas.openxmlformats.org/drawingml/2006/main" xmlns:r="http://schemas.openxmlformats.org/officeDocument/2006/relationships" xmlns:p="http://schemas.openxmlformats.org/presentationml/2006/main">
   <p:cSld>
@@ -2010,7 +2228,7 @@
           <a:p>
             <a:fld id="{A0B44878-DBAA-4AE6-93A1-9B0BA449929C}" type="datetime1">
               <a:rPr lang="en-US" smtClean="0"/>
-              <a:t>9/22/2025</a:t>
+              <a:t>9/25/2025</a:t>
             </a:fld>
             <a:endParaRPr lang="en-US"/>
           </a:p>
@@ -2208,7 +2426,7 @@
           <a:p>
             <a:fld id="{E0ADDDC8-E016-473D-8F41-DE1836BC0B6A}" type="datetime1">
               <a:rPr lang="en-US" smtClean="0"/>
-              <a:t>9/22/2025</a:t>
+              <a:t>9/25/2025</a:t>
             </a:fld>
             <a:endParaRPr lang="en-US"/>
           </a:p>
@@ -2416,7 +2634,7 @@
           <a:p>
             <a:fld id="{B3603776-1497-48F1-8CCE-A5B60F41F708}" type="datetime1">
               <a:rPr lang="en-US" smtClean="0"/>
-              <a:t>9/22/2025</a:t>
+              <a:t>9/25/2025</a:t>
             </a:fld>
             <a:endParaRPr lang="en-US"/>
           </a:p>
@@ -2614,7 +2832,7 @@
           <a:p>
             <a:fld id="{94FA0A82-D3E8-4F15-B48F-B6FA578DB9D1}" type="datetime1">
               <a:rPr lang="en-US" smtClean="0"/>
-              <a:t>9/22/2025</a:t>
+              <a:t>9/25/2025</a:t>
             </a:fld>
             <a:endParaRPr lang="en-US"/>
           </a:p>
@@ -2889,7 +3107,7 @@
           <a:p>
             <a:fld id="{CE3DFD6D-EA7B-4898-A5DA-F33BE2D60BCE}" type="datetime1">
               <a:rPr lang="en-US" smtClean="0"/>
-              <a:t>9/22/2025</a:t>
+              <a:t>9/25/2025</a:t>
             </a:fld>
             <a:endParaRPr lang="en-US"/>
           </a:p>
@@ -3154,7 +3372,7 @@
           <a:p>
             <a:fld id="{CF071D78-3BFC-416C-8D96-45532B5637A6}" type="datetime1">
               <a:rPr lang="en-US" smtClean="0"/>
-              <a:t>9/22/2025</a:t>
+              <a:t>9/25/2025</a:t>
             </a:fld>
             <a:endParaRPr lang="en-US"/>
           </a:p>
@@ -3566,7 +3784,7 @@
           <a:p>
             <a:fld id="{88E85248-ED6E-4BEC-B453-A08EB3299882}" type="datetime1">
               <a:rPr lang="en-US" smtClean="0"/>
-              <a:t>9/22/2025</a:t>
+              <a:t>9/25/2025</a:t>
             </a:fld>
             <a:endParaRPr lang="en-US"/>
           </a:p>
@@ -3707,7 +3925,7 @@
           <a:p>
             <a:fld id="{63CD0E7F-520E-4843-83D7-C287FE746937}" type="datetime1">
               <a:rPr lang="en-US" smtClean="0"/>
-              <a:t>9/22/2025</a:t>
+              <a:t>9/25/2025</a:t>
             </a:fld>
             <a:endParaRPr lang="en-US"/>
           </a:p>
@@ -3820,7 +4038,7 @@
           <a:p>
             <a:fld id="{28B515EA-8DC7-40AD-AE28-D6C9C1CE2182}" type="datetime1">
               <a:rPr lang="en-US" smtClean="0"/>
-              <a:t>9/22/2025</a:t>
+              <a:t>9/25/2025</a:t>
             </a:fld>
             <a:endParaRPr lang="en-US"/>
           </a:p>
@@ -4131,7 +4349,7 @@
           <a:p>
             <a:fld id="{E42E4E2B-AB8D-4807-B6F5-354C1BFB9806}" type="datetime1">
               <a:rPr lang="en-US" smtClean="0"/>
-              <a:t>9/22/2025</a:t>
+              <a:t>9/25/2025</a:t>
             </a:fld>
             <a:endParaRPr lang="en-US"/>
           </a:p>
@@ -4419,7 +4637,7 @@
           <a:p>
             <a:fld id="{2787A5B7-805C-412E-8E7B-447AD2C7AC49}" type="datetime1">
               <a:rPr lang="en-US" smtClean="0"/>
-              <a:t>9/22/2025</a:t>
+              <a:t>9/25/2025</a:t>
             </a:fld>
             <a:endParaRPr lang="en-US"/>
           </a:p>
@@ -4660,7 +4878,7 @@
           <a:p>
             <a:fld id="{3163A951-DBA8-41FD-BF8A-F742CFC3FC7B}" type="datetime1">
               <a:rPr lang="en-US" smtClean="0"/>
-              <a:t>9/22/2025</a:t>
+              <a:t>9/25/2025</a:t>
             </a:fld>
             <a:endParaRPr lang="en-US"/>
           </a:p>
@@ -11343,6 +11561,1059 @@
     <p:extLst>
       <p:ext uri="{BB962C8B-B14F-4D97-AF65-F5344CB8AC3E}">
         <p14:creationId xmlns:p14="http://schemas.microsoft.com/office/powerpoint/2010/main" val="3863571660"/>
+      </p:ext>
+    </p:extLst>
+  </p:cSld>
+  <p:clrMapOvr>
+    <a:masterClrMapping/>
+  </p:clrMapOvr>
+</p:sld>
+</file>
+
+<file path=ppt/slides/slide15.xml><?xml version="1.0" encoding="utf-8"?>
+<p:sld xmlns:a="http://schemas.openxmlformats.org/drawingml/2006/main" xmlns:r="http://schemas.openxmlformats.org/officeDocument/2006/relationships" xmlns:p="http://schemas.openxmlformats.org/presentationml/2006/main">
+  <p:cSld>
+    <p:spTree>
+      <p:nvGrpSpPr>
+        <p:cNvPr id="1" name="">
+          <a:extLst>
+            <a:ext uri="{FF2B5EF4-FFF2-40B4-BE49-F238E27FC236}">
+              <a16:creationId xmlns:a16="http://schemas.microsoft.com/office/drawing/2014/main" id="{FE7C0707-EEEF-73A7-0442-7538F9F4C67B}"/>
+            </a:ext>
+          </a:extLst>
+        </p:cNvPr>
+        <p:cNvGrpSpPr/>
+        <p:nvPr/>
+      </p:nvGrpSpPr>
+      <p:grpSpPr>
+        <a:xfrm>
+          <a:off x="0" y="0"/>
+          <a:ext cx="0" cy="0"/>
+          <a:chOff x="0" y="0"/>
+          <a:chExt cx="0" cy="0"/>
+        </a:xfrm>
+      </p:grpSpPr>
+      <p:sp>
+        <p:nvSpPr>
+          <p:cNvPr id="2" name="Title 1">
+            <a:extLst>
+              <a:ext uri="{FF2B5EF4-FFF2-40B4-BE49-F238E27FC236}">
+                <a16:creationId xmlns:a16="http://schemas.microsoft.com/office/drawing/2014/main" id="{327D80C0-D6BF-0FAF-AA53-6A718C866244}"/>
+              </a:ext>
+            </a:extLst>
+          </p:cNvPr>
+          <p:cNvSpPr>
+            <a:spLocks noGrp="1"/>
+          </p:cNvSpPr>
+          <p:nvPr>
+            <p:ph type="title"/>
+          </p:nvPr>
+        </p:nvSpPr>
+        <p:spPr>
+          <a:xfrm>
+            <a:off x="977030" y="93784"/>
+            <a:ext cx="9233770" cy="1143000"/>
+          </a:xfrm>
+        </p:spPr>
+        <p:txBody>
+          <a:bodyPr>
+            <a:noAutofit/>
+          </a:bodyPr>
+          <a:lstStyle/>
+          <a:p>
+            <a:r>
+              <a:rPr lang="ru-RU" sz="3200" b="1" dirty="0"/>
+              <a:t>Практика на </a:t>
+            </a:r>
+            <a:r>
+              <a:rPr lang="en-US" sz="3200" b="1" dirty="0"/>
+              <a:t>Python: </a:t>
+            </a:r>
+            <a:r>
+              <a:rPr lang="en-US" sz="3200" b="1" dirty="0">
+                <a:latin typeface="Calibri" panose="020F0502020204030204" pitchFamily="34" charset="0"/>
+                <a:ea typeface="Calibri" panose="020F0502020204030204" pitchFamily="34" charset="0"/>
+                <a:cs typeface="Calibri" panose="020F0502020204030204" pitchFamily="34" charset="0"/>
+              </a:rPr>
+              <a:t>“</a:t>
+            </a:r>
+            <a:r>
+              <a:rPr lang="ru-RU" sz="3200" b="1" dirty="0">
+                <a:latin typeface="Calibri" panose="020F0502020204030204" pitchFamily="34" charset="0"/>
+                <a:ea typeface="Calibri" panose="020F0502020204030204" pitchFamily="34" charset="0"/>
+                <a:cs typeface="Calibri" panose="020F0502020204030204" pitchFamily="34" charset="0"/>
+              </a:rPr>
+              <a:t>украдем</a:t>
+            </a:r>
+            <a:r>
+              <a:rPr lang="en-US" sz="3200" b="1" dirty="0">
+                <a:latin typeface="Calibri" panose="020F0502020204030204" pitchFamily="34" charset="0"/>
+                <a:ea typeface="Calibri" panose="020F0502020204030204" pitchFamily="34" charset="0"/>
+                <a:cs typeface="Calibri" panose="020F0502020204030204" pitchFamily="34" charset="0"/>
+              </a:rPr>
+              <a:t>” </a:t>
+            </a:r>
+            <a:r>
+              <a:rPr lang="ru-RU" sz="3200" b="1" dirty="0">
+                <a:latin typeface="Calibri" panose="020F0502020204030204" pitchFamily="34" charset="0"/>
+                <a:ea typeface="Calibri" panose="020F0502020204030204" pitchFamily="34" charset="0"/>
+                <a:cs typeface="Calibri" panose="020F0502020204030204" pitchFamily="34" charset="0"/>
+              </a:rPr>
+              <a:t>публичный </a:t>
+            </a:r>
+            <a:r>
+              <a:rPr lang="en-US" sz="3200" b="1" dirty="0">
+                <a:latin typeface="Calibri" panose="020F0502020204030204" pitchFamily="34" charset="0"/>
+                <a:ea typeface="Calibri" panose="020F0502020204030204" pitchFamily="34" charset="0"/>
+                <a:cs typeface="Calibri" panose="020F0502020204030204" pitchFamily="34" charset="0"/>
+              </a:rPr>
+              <a:t>API </a:t>
+            </a:r>
+            <a:endParaRPr lang="en-US" sz="3200" b="1" dirty="0"/>
+          </a:p>
+        </p:txBody>
+      </p:sp>
+      <p:pic>
+        <p:nvPicPr>
+          <p:cNvPr id="5" name="Picture 4">
+            <a:extLst>
+              <a:ext uri="{FF2B5EF4-FFF2-40B4-BE49-F238E27FC236}">
+                <a16:creationId xmlns:a16="http://schemas.microsoft.com/office/drawing/2014/main" id="{70F0916B-0A75-8FAB-2F43-CCB548D8F854}"/>
+              </a:ext>
+            </a:extLst>
+          </p:cNvPr>
+          <p:cNvPicPr>
+            <a:picLocks noChangeAspect="1"/>
+          </p:cNvPicPr>
+          <p:nvPr/>
+        </p:nvPicPr>
+        <p:blipFill>
+          <a:blip r:embed="rId3"/>
+          <a:stretch>
+            <a:fillRect/>
+          </a:stretch>
+        </p:blipFill>
+        <p:spPr>
+          <a:xfrm>
+            <a:off x="489857" y="1300203"/>
+            <a:ext cx="6177086" cy="2128797"/>
+          </a:xfrm>
+          <a:prstGeom prst="rect">
+            <a:avLst/>
+          </a:prstGeom>
+        </p:spPr>
+      </p:pic>
+      <p:sp>
+        <p:nvSpPr>
+          <p:cNvPr id="6" name="TextBox 5">
+            <a:extLst>
+              <a:ext uri="{FF2B5EF4-FFF2-40B4-BE49-F238E27FC236}">
+                <a16:creationId xmlns:a16="http://schemas.microsoft.com/office/drawing/2014/main" id="{28B31809-E551-6722-A785-ECCE80C53C3C}"/>
+              </a:ext>
+            </a:extLst>
+          </p:cNvPr>
+          <p:cNvSpPr txBox="1"/>
+          <p:nvPr/>
+        </p:nvSpPr>
+        <p:spPr>
+          <a:xfrm>
+            <a:off x="489857" y="3492419"/>
+            <a:ext cx="6177086" cy="1569660"/>
+          </a:xfrm>
+          <a:prstGeom prst="rect">
+            <a:avLst/>
+          </a:prstGeom>
+          <a:noFill/>
+        </p:spPr>
+        <p:txBody>
+          <a:bodyPr wrap="square">
+            <a:spAutoFit/>
+          </a:bodyPr>
+          <a:lstStyle/>
+          <a:p>
+            <a:r>
+              <a:rPr lang="ru-RU" sz="1600" dirty="0">
+                <a:latin typeface="Calibri" panose="020F0502020204030204" pitchFamily="34" charset="0"/>
+                <a:ea typeface="Calibri" panose="020F0502020204030204" pitchFamily="34" charset="0"/>
+                <a:cs typeface="Calibri" panose="020F0502020204030204" pitchFamily="34" charset="0"/>
+              </a:rPr>
+              <a:t>Отлично, выбираем наш сетевой запрос и видим:</a:t>
+            </a:r>
+          </a:p>
+          <a:p>
+            <a:pPr marL="342900" indent="-342900">
+              <a:buAutoNum type="arabicPeriod"/>
+            </a:pPr>
+            <a:r>
+              <a:rPr lang="ru-RU" sz="1600" dirty="0">
+                <a:latin typeface="Calibri" panose="020F0502020204030204" pitchFamily="34" charset="0"/>
+                <a:ea typeface="Calibri" panose="020F0502020204030204" pitchFamily="34" charset="0"/>
+                <a:cs typeface="Calibri" panose="020F0502020204030204" pitchFamily="34" charset="0"/>
+              </a:rPr>
+              <a:t>Объект-сетевой запрос (*На него надо нажать)</a:t>
+            </a:r>
+          </a:p>
+          <a:p>
+            <a:pPr marL="342900" indent="-342900">
+              <a:buAutoNum type="arabicPeriod"/>
+            </a:pPr>
+            <a:r>
+              <a:rPr lang="ru-RU" sz="1600" dirty="0">
+                <a:latin typeface="Calibri" panose="020F0502020204030204" pitchFamily="34" charset="0"/>
+                <a:ea typeface="Calibri" panose="020F0502020204030204" pitchFamily="34" charset="0"/>
+                <a:cs typeface="Calibri" panose="020F0502020204030204" pitchFamily="34" charset="0"/>
+              </a:rPr>
+              <a:t>Адрес запроса по которому обратился браузер</a:t>
+            </a:r>
+          </a:p>
+          <a:p>
+            <a:pPr marL="342900" indent="-342900">
+              <a:buAutoNum type="arabicPeriod"/>
+            </a:pPr>
+            <a:r>
+              <a:rPr lang="ru-RU" sz="1600" dirty="0">
+                <a:latin typeface="Calibri" panose="020F0502020204030204" pitchFamily="34" charset="0"/>
+                <a:ea typeface="Calibri" panose="020F0502020204030204" pitchFamily="34" charset="0"/>
+                <a:cs typeface="Calibri" panose="020F0502020204030204" pitchFamily="34" charset="0"/>
+              </a:rPr>
+              <a:t>Метод (</a:t>
+            </a:r>
+            <a:r>
+              <a:rPr lang="en-US" sz="1600" dirty="0">
+                <a:latin typeface="Calibri" panose="020F0502020204030204" pitchFamily="34" charset="0"/>
+                <a:ea typeface="Calibri" panose="020F0502020204030204" pitchFamily="34" charset="0"/>
+                <a:cs typeface="Calibri" panose="020F0502020204030204" pitchFamily="34" charset="0"/>
+              </a:rPr>
+              <a:t>GET) </a:t>
+            </a:r>
+            <a:endParaRPr lang="ru-RU" sz="1600" dirty="0">
+              <a:latin typeface="Calibri" panose="020F0502020204030204" pitchFamily="34" charset="0"/>
+              <a:ea typeface="Calibri" panose="020F0502020204030204" pitchFamily="34" charset="0"/>
+              <a:cs typeface="Calibri" panose="020F0502020204030204" pitchFamily="34" charset="0"/>
+            </a:endParaRPr>
+          </a:p>
+          <a:p>
+            <a:pPr marL="342900" indent="-342900">
+              <a:buAutoNum type="arabicPeriod"/>
+            </a:pPr>
+            <a:r>
+              <a:rPr lang="ru-RU" sz="1600" dirty="0">
+                <a:latin typeface="Calibri" panose="020F0502020204030204" pitchFamily="34" charset="0"/>
+                <a:ea typeface="Calibri" panose="020F0502020204030204" pitchFamily="34" charset="0"/>
+                <a:cs typeface="Calibri" panose="020F0502020204030204" pitchFamily="34" charset="0"/>
+              </a:rPr>
+              <a:t>Заголовки запроса</a:t>
+            </a:r>
+          </a:p>
+          <a:p>
+            <a:pPr marL="342900" indent="-342900">
+              <a:buAutoNum type="arabicPeriod"/>
+            </a:pPr>
+            <a:r>
+              <a:rPr lang="en-US" sz="1600" dirty="0">
+                <a:latin typeface="Calibri" panose="020F0502020204030204" pitchFamily="34" charset="0"/>
+                <a:ea typeface="Calibri" panose="020F0502020204030204" pitchFamily="34" charset="0"/>
+                <a:cs typeface="Calibri" panose="020F0502020204030204" pitchFamily="34" charset="0"/>
+              </a:rPr>
+              <a:t>Payload </a:t>
+            </a:r>
+            <a:r>
+              <a:rPr lang="ru-RU" sz="1600" dirty="0">
+                <a:latin typeface="Calibri" panose="020F0502020204030204" pitchFamily="34" charset="0"/>
+                <a:ea typeface="Calibri" panose="020F0502020204030204" pitchFamily="34" charset="0"/>
+                <a:cs typeface="Calibri" panose="020F0502020204030204" pitchFamily="34" charset="0"/>
+              </a:rPr>
+              <a:t>(Нажимаем на него чтобы изучить)</a:t>
+            </a:r>
+          </a:p>
+        </p:txBody>
+      </p:sp>
+      <p:pic>
+        <p:nvPicPr>
+          <p:cNvPr id="12" name="Picture 11">
+            <a:extLst>
+              <a:ext uri="{FF2B5EF4-FFF2-40B4-BE49-F238E27FC236}">
+                <a16:creationId xmlns:a16="http://schemas.microsoft.com/office/drawing/2014/main" id="{216FECFA-7DB1-ABE2-D7B5-C17B193840D9}"/>
+              </a:ext>
+            </a:extLst>
+          </p:cNvPr>
+          <p:cNvPicPr>
+            <a:picLocks noChangeAspect="1"/>
+          </p:cNvPicPr>
+          <p:nvPr/>
+        </p:nvPicPr>
+        <p:blipFill>
+          <a:blip r:embed="rId4"/>
+          <a:stretch>
+            <a:fillRect/>
+          </a:stretch>
+        </p:blipFill>
+        <p:spPr>
+          <a:xfrm>
+            <a:off x="489857" y="5247410"/>
+            <a:ext cx="3387218" cy="1368927"/>
+          </a:xfrm>
+          <a:prstGeom prst="rect">
+            <a:avLst/>
+          </a:prstGeom>
+        </p:spPr>
+      </p:pic>
+      <p:sp>
+        <p:nvSpPr>
+          <p:cNvPr id="13" name="TextBox 12">
+            <a:extLst>
+              <a:ext uri="{FF2B5EF4-FFF2-40B4-BE49-F238E27FC236}">
+                <a16:creationId xmlns:a16="http://schemas.microsoft.com/office/drawing/2014/main" id="{1DCAE8FE-4FA8-BCCE-B606-AB605275FE35}"/>
+              </a:ext>
+            </a:extLst>
+          </p:cNvPr>
+          <p:cNvSpPr txBox="1"/>
+          <p:nvPr/>
+        </p:nvSpPr>
+        <p:spPr>
+          <a:xfrm>
+            <a:off x="4051663" y="5247410"/>
+            <a:ext cx="2615280" cy="1323439"/>
+          </a:xfrm>
+          <a:prstGeom prst="rect">
+            <a:avLst/>
+          </a:prstGeom>
+          <a:noFill/>
+        </p:spPr>
+        <p:txBody>
+          <a:bodyPr wrap="square">
+            <a:spAutoFit/>
+          </a:bodyPr>
+          <a:lstStyle/>
+          <a:p>
+            <a:r>
+              <a:rPr lang="ru-RU" sz="1600" dirty="0">
+                <a:latin typeface="Calibri" panose="020F0502020204030204" pitchFamily="34" charset="0"/>
+                <a:ea typeface="Calibri" panose="020F0502020204030204" pitchFamily="34" charset="0"/>
+                <a:cs typeface="Calibri" panose="020F0502020204030204" pitchFamily="34" charset="0"/>
+              </a:rPr>
+              <a:t>Мы видим </a:t>
+            </a:r>
+            <a:r>
+              <a:rPr lang="en-US" sz="1600" b="1" dirty="0">
+                <a:latin typeface="Calibri" panose="020F0502020204030204" pitchFamily="34" charset="0"/>
+                <a:ea typeface="Calibri" panose="020F0502020204030204" pitchFamily="34" charset="0"/>
+                <a:cs typeface="Calibri" panose="020F0502020204030204" pitchFamily="34" charset="0"/>
+              </a:rPr>
+              <a:t>payload</a:t>
+            </a:r>
+            <a:r>
+              <a:rPr lang="en-US" sz="1600" dirty="0">
+                <a:latin typeface="Calibri" panose="020F0502020204030204" pitchFamily="34" charset="0"/>
+                <a:ea typeface="Calibri" panose="020F0502020204030204" pitchFamily="34" charset="0"/>
+                <a:cs typeface="Calibri" panose="020F0502020204030204" pitchFamily="34" charset="0"/>
+              </a:rPr>
+              <a:t> </a:t>
+            </a:r>
+            <a:r>
+              <a:rPr lang="ru-RU" sz="1600" dirty="0">
+                <a:latin typeface="Calibri" panose="020F0502020204030204" pitchFamily="34" charset="0"/>
+                <a:ea typeface="Calibri" panose="020F0502020204030204" pitchFamily="34" charset="0"/>
+                <a:cs typeface="Calibri" panose="020F0502020204030204" pitchFamily="34" charset="0"/>
+              </a:rPr>
+              <a:t>нашего запроса. Для </a:t>
+            </a:r>
+            <a:r>
+              <a:rPr lang="en-US" sz="1600" dirty="0">
+                <a:latin typeface="Calibri" panose="020F0502020204030204" pitchFamily="34" charset="0"/>
+                <a:ea typeface="Calibri" panose="020F0502020204030204" pitchFamily="34" charset="0"/>
+                <a:cs typeface="Calibri" panose="020F0502020204030204" pitchFamily="34" charset="0"/>
+              </a:rPr>
+              <a:t>get</a:t>
+            </a:r>
+            <a:r>
+              <a:rPr lang="ru-RU" sz="1600" dirty="0">
+                <a:latin typeface="Calibri" panose="020F0502020204030204" pitchFamily="34" charset="0"/>
+                <a:ea typeface="Calibri" panose="020F0502020204030204" pitchFamily="34" charset="0"/>
+                <a:cs typeface="Calibri" panose="020F0502020204030204" pitchFamily="34" charset="0"/>
+              </a:rPr>
+              <a:t> это часть адреса. Если хотим увидеть </a:t>
+            </a:r>
+            <a:r>
+              <a:rPr lang="en-US" sz="1600" dirty="0">
+                <a:latin typeface="Calibri" panose="020F0502020204030204" pitchFamily="34" charset="0"/>
+                <a:ea typeface="Calibri" panose="020F0502020204030204" pitchFamily="34" charset="0"/>
+                <a:cs typeface="Calibri" panose="020F0502020204030204" pitchFamily="34" charset="0"/>
+              </a:rPr>
+              <a:t>“</a:t>
+            </a:r>
+            <a:r>
+              <a:rPr lang="ru-RU" sz="1600" dirty="0">
+                <a:latin typeface="Calibri" panose="020F0502020204030204" pitchFamily="34" charset="0"/>
+                <a:ea typeface="Calibri" panose="020F0502020204030204" pitchFamily="34" charset="0"/>
+                <a:cs typeface="Calibri" panose="020F0502020204030204" pitchFamily="34" charset="0"/>
+              </a:rPr>
+              <a:t>сырой</a:t>
+            </a:r>
+            <a:r>
+              <a:rPr lang="en-US" sz="1600" dirty="0">
+                <a:latin typeface="Calibri" panose="020F0502020204030204" pitchFamily="34" charset="0"/>
+                <a:ea typeface="Calibri" panose="020F0502020204030204" pitchFamily="34" charset="0"/>
+                <a:cs typeface="Calibri" panose="020F0502020204030204" pitchFamily="34" charset="0"/>
+              </a:rPr>
+              <a:t>” </a:t>
+            </a:r>
+            <a:r>
+              <a:rPr lang="ru-RU" sz="1600" dirty="0">
+                <a:latin typeface="Calibri" panose="020F0502020204030204" pitchFamily="34" charset="0"/>
+                <a:ea typeface="Calibri" panose="020F0502020204030204" pitchFamily="34" charset="0"/>
+                <a:cs typeface="Calibri" panose="020F0502020204030204" pitchFamily="34" charset="0"/>
+              </a:rPr>
+              <a:t>вариант, нажимаем </a:t>
+            </a:r>
+            <a:r>
+              <a:rPr lang="en-US" sz="1600" b="1" dirty="0">
+                <a:latin typeface="Calibri" panose="020F0502020204030204" pitchFamily="34" charset="0"/>
+                <a:ea typeface="Calibri" panose="020F0502020204030204" pitchFamily="34" charset="0"/>
+                <a:cs typeface="Calibri" panose="020F0502020204030204" pitchFamily="34" charset="0"/>
+              </a:rPr>
+              <a:t>view source</a:t>
+            </a:r>
+            <a:endParaRPr lang="ru-RU" sz="1600" b="1" dirty="0">
+              <a:latin typeface="Calibri" panose="020F0502020204030204" pitchFamily="34" charset="0"/>
+              <a:ea typeface="Calibri" panose="020F0502020204030204" pitchFamily="34" charset="0"/>
+              <a:cs typeface="Calibri" panose="020F0502020204030204" pitchFamily="34" charset="0"/>
+            </a:endParaRPr>
+          </a:p>
+        </p:txBody>
+      </p:sp>
+      <p:cxnSp>
+        <p:nvCxnSpPr>
+          <p:cNvPr id="16" name="Straight Connector 15">
+            <a:extLst>
+              <a:ext uri="{FF2B5EF4-FFF2-40B4-BE49-F238E27FC236}">
+                <a16:creationId xmlns:a16="http://schemas.microsoft.com/office/drawing/2014/main" id="{B424E310-565A-32C6-DBBA-8340B7FC3D6D}"/>
+              </a:ext>
+            </a:extLst>
+          </p:cNvPr>
+          <p:cNvCxnSpPr/>
+          <p:nvPr/>
+        </p:nvCxnSpPr>
+        <p:spPr>
+          <a:xfrm>
+            <a:off x="6871063" y="1236784"/>
+            <a:ext cx="0" cy="5379553"/>
+          </a:xfrm>
+          <a:prstGeom prst="line">
+            <a:avLst/>
+          </a:prstGeom>
+        </p:spPr>
+        <p:style>
+          <a:lnRef idx="2">
+            <a:schemeClr val="dk1"/>
+          </a:lnRef>
+          <a:fillRef idx="0">
+            <a:schemeClr val="dk1"/>
+          </a:fillRef>
+          <a:effectRef idx="1">
+            <a:schemeClr val="dk1"/>
+          </a:effectRef>
+          <a:fontRef idx="minor">
+            <a:schemeClr val="tx1"/>
+          </a:fontRef>
+        </p:style>
+      </p:cxnSp>
+      <p:pic>
+        <p:nvPicPr>
+          <p:cNvPr id="21" name="Picture 20">
+            <a:extLst>
+              <a:ext uri="{FF2B5EF4-FFF2-40B4-BE49-F238E27FC236}">
+                <a16:creationId xmlns:a16="http://schemas.microsoft.com/office/drawing/2014/main" id="{69E79A6F-2A4E-5A1C-8482-B4BECD5A0010}"/>
+              </a:ext>
+            </a:extLst>
+          </p:cNvPr>
+          <p:cNvPicPr>
+            <a:picLocks noChangeAspect="1"/>
+          </p:cNvPicPr>
+          <p:nvPr/>
+        </p:nvPicPr>
+        <p:blipFill>
+          <a:blip r:embed="rId5"/>
+          <a:srcRect b="26860"/>
+          <a:stretch>
+            <a:fillRect/>
+          </a:stretch>
+        </p:blipFill>
+        <p:spPr>
+          <a:xfrm>
+            <a:off x="7209875" y="1702176"/>
+            <a:ext cx="3613832" cy="2348266"/>
+          </a:xfrm>
+          <a:prstGeom prst="rect">
+            <a:avLst/>
+          </a:prstGeom>
+        </p:spPr>
+      </p:pic>
+      <p:sp>
+        <p:nvSpPr>
+          <p:cNvPr id="24" name="TextBox 23">
+            <a:extLst>
+              <a:ext uri="{FF2B5EF4-FFF2-40B4-BE49-F238E27FC236}">
+                <a16:creationId xmlns:a16="http://schemas.microsoft.com/office/drawing/2014/main" id="{17BC5DA9-31F0-02D9-968E-5316FD0EC1ED}"/>
+              </a:ext>
+            </a:extLst>
+          </p:cNvPr>
+          <p:cNvSpPr txBox="1"/>
+          <p:nvPr/>
+        </p:nvSpPr>
+        <p:spPr>
+          <a:xfrm>
+            <a:off x="7164979" y="1300203"/>
+            <a:ext cx="3703625" cy="338554"/>
+          </a:xfrm>
+          <a:prstGeom prst="rect">
+            <a:avLst/>
+          </a:prstGeom>
+          <a:noFill/>
+        </p:spPr>
+        <p:txBody>
+          <a:bodyPr wrap="square">
+            <a:spAutoFit/>
+          </a:bodyPr>
+          <a:lstStyle/>
+          <a:p>
+            <a:r>
+              <a:rPr lang="ru-RU" sz="1600" dirty="0">
+                <a:latin typeface="Calibri" panose="020F0502020204030204" pitchFamily="34" charset="0"/>
+                <a:ea typeface="Calibri" panose="020F0502020204030204" pitchFamily="34" charset="0"/>
+                <a:cs typeface="Calibri" panose="020F0502020204030204" pitchFamily="34" charset="0"/>
+              </a:rPr>
+              <a:t>Нажимаем на форму ответа </a:t>
+            </a:r>
+            <a:r>
+              <a:rPr lang="en-US" sz="1600" b="1" dirty="0">
+                <a:latin typeface="Calibri" panose="020F0502020204030204" pitchFamily="34" charset="0"/>
+                <a:ea typeface="Calibri" panose="020F0502020204030204" pitchFamily="34" charset="0"/>
+                <a:cs typeface="Calibri" panose="020F0502020204030204" pitchFamily="34" charset="0"/>
+              </a:rPr>
+              <a:t>Response</a:t>
+            </a:r>
+            <a:r>
+              <a:rPr lang="en-US" sz="1600" dirty="0">
+                <a:latin typeface="Calibri" panose="020F0502020204030204" pitchFamily="34" charset="0"/>
+                <a:ea typeface="Calibri" panose="020F0502020204030204" pitchFamily="34" charset="0"/>
+                <a:cs typeface="Calibri" panose="020F0502020204030204" pitchFamily="34" charset="0"/>
+              </a:rPr>
+              <a:t> </a:t>
+            </a:r>
+            <a:endParaRPr lang="ru-RU" sz="1600" b="1" dirty="0">
+              <a:latin typeface="Calibri" panose="020F0502020204030204" pitchFamily="34" charset="0"/>
+              <a:ea typeface="Calibri" panose="020F0502020204030204" pitchFamily="34" charset="0"/>
+              <a:cs typeface="Calibri" panose="020F0502020204030204" pitchFamily="34" charset="0"/>
+            </a:endParaRPr>
+          </a:p>
+        </p:txBody>
+      </p:sp>
+      <p:sp>
+        <p:nvSpPr>
+          <p:cNvPr id="27" name="TextBox 26">
+            <a:extLst>
+              <a:ext uri="{FF2B5EF4-FFF2-40B4-BE49-F238E27FC236}">
+                <a16:creationId xmlns:a16="http://schemas.microsoft.com/office/drawing/2014/main" id="{5CEBFA18-EC00-9857-5C65-B8254B2F1FF1}"/>
+              </a:ext>
+            </a:extLst>
+          </p:cNvPr>
+          <p:cNvSpPr txBox="1"/>
+          <p:nvPr/>
+        </p:nvSpPr>
+        <p:spPr>
+          <a:xfrm>
+            <a:off x="7209875" y="4113861"/>
+            <a:ext cx="3703625" cy="830997"/>
+          </a:xfrm>
+          <a:prstGeom prst="rect">
+            <a:avLst/>
+          </a:prstGeom>
+          <a:noFill/>
+        </p:spPr>
+        <p:txBody>
+          <a:bodyPr wrap="square">
+            <a:spAutoFit/>
+          </a:bodyPr>
+          <a:lstStyle/>
+          <a:p>
+            <a:r>
+              <a:rPr lang="ru-RU" sz="1600" dirty="0">
+                <a:latin typeface="Calibri" panose="020F0502020204030204" pitchFamily="34" charset="0"/>
+                <a:ea typeface="Calibri" panose="020F0502020204030204" pitchFamily="34" charset="0"/>
+                <a:cs typeface="Calibri" panose="020F0502020204030204" pitchFamily="34" charset="0"/>
+              </a:rPr>
+              <a:t>Собственно это и есть наш ответ от </a:t>
+            </a:r>
+            <a:r>
+              <a:rPr lang="en-US" sz="1600" dirty="0">
+                <a:latin typeface="Calibri" panose="020F0502020204030204" pitchFamily="34" charset="0"/>
+                <a:ea typeface="Calibri" panose="020F0502020204030204" pitchFamily="34" charset="0"/>
+                <a:cs typeface="Calibri" panose="020F0502020204030204" pitchFamily="34" charset="0"/>
+              </a:rPr>
+              <a:t>API </a:t>
+            </a:r>
+            <a:br>
+              <a:rPr lang="ru-RU" sz="1600" dirty="0">
+                <a:latin typeface="Calibri" panose="020F0502020204030204" pitchFamily="34" charset="0"/>
+                <a:ea typeface="Calibri" panose="020F0502020204030204" pitchFamily="34" charset="0"/>
+                <a:cs typeface="Calibri" panose="020F0502020204030204" pitchFamily="34" charset="0"/>
+              </a:rPr>
+            </a:br>
+            <a:r>
+              <a:rPr lang="ru-RU" sz="1600" dirty="0">
+                <a:latin typeface="Calibri" panose="020F0502020204030204" pitchFamily="34" charset="0"/>
+                <a:ea typeface="Calibri" panose="020F0502020204030204" pitchFamily="34" charset="0"/>
+                <a:cs typeface="Calibri" panose="020F0502020204030204" pitchFamily="34" charset="0"/>
+              </a:rPr>
+              <a:t>Отлично, теперь у нас есть все, чтобы воссоздать запрос </a:t>
+            </a:r>
+            <a:r>
+              <a:rPr lang="ru-RU" sz="1600" dirty="0" err="1">
+                <a:latin typeface="Calibri" panose="020F0502020204030204" pitchFamily="34" charset="0"/>
+                <a:ea typeface="Calibri" panose="020F0502020204030204" pitchFamily="34" charset="0"/>
+                <a:cs typeface="Calibri" panose="020F0502020204030204" pitchFamily="34" charset="0"/>
+              </a:rPr>
+              <a:t>программно</a:t>
+            </a:r>
+            <a:r>
+              <a:rPr lang="ru-RU" sz="1600" dirty="0">
+                <a:latin typeface="Calibri" panose="020F0502020204030204" pitchFamily="34" charset="0"/>
+                <a:ea typeface="Calibri" panose="020F0502020204030204" pitchFamily="34" charset="0"/>
+                <a:cs typeface="Calibri" panose="020F0502020204030204" pitchFamily="34" charset="0"/>
+              </a:rPr>
+              <a:t> </a:t>
+            </a:r>
+            <a:endParaRPr lang="ru-RU" sz="1600" b="1" dirty="0">
+              <a:latin typeface="Calibri" panose="020F0502020204030204" pitchFamily="34" charset="0"/>
+              <a:ea typeface="Calibri" panose="020F0502020204030204" pitchFamily="34" charset="0"/>
+              <a:cs typeface="Calibri" panose="020F0502020204030204" pitchFamily="34" charset="0"/>
+            </a:endParaRPr>
+          </a:p>
+        </p:txBody>
+      </p:sp>
+      <p:sp>
+        <p:nvSpPr>
+          <p:cNvPr id="28" name="TextBox 27">
+            <a:extLst>
+              <a:ext uri="{FF2B5EF4-FFF2-40B4-BE49-F238E27FC236}">
+                <a16:creationId xmlns:a16="http://schemas.microsoft.com/office/drawing/2014/main" id="{A54518C0-0A55-BBB7-B2C5-90C8AF0D640D}"/>
+              </a:ext>
+            </a:extLst>
+          </p:cNvPr>
+          <p:cNvSpPr txBox="1"/>
+          <p:nvPr/>
+        </p:nvSpPr>
+        <p:spPr>
+          <a:xfrm>
+            <a:off x="7164979" y="4944858"/>
+            <a:ext cx="4814485" cy="1831271"/>
+          </a:xfrm>
+          <a:prstGeom prst="rect">
+            <a:avLst/>
+          </a:prstGeom>
+          <a:noFill/>
+        </p:spPr>
+        <p:txBody>
+          <a:bodyPr wrap="square">
+            <a:spAutoFit/>
+          </a:bodyPr>
+          <a:lstStyle/>
+          <a:p>
+            <a:r>
+              <a:rPr lang="ru-RU" sz="1600" dirty="0">
+                <a:latin typeface="Calibri" panose="020F0502020204030204" pitchFamily="34" charset="0"/>
+                <a:ea typeface="Calibri" panose="020F0502020204030204" pitchFamily="34" charset="0"/>
+                <a:cs typeface="Calibri" panose="020F0502020204030204" pitchFamily="34" charset="0"/>
+              </a:rPr>
+              <a:t>Попробуйте сами реализовать запрос. В приложенных файлах будет пример от меня, если вы не сможете построить запрос в </a:t>
+            </a:r>
+            <a:r>
+              <a:rPr lang="en-US" sz="1600" dirty="0">
+                <a:latin typeface="Calibri" panose="020F0502020204030204" pitchFamily="34" charset="0"/>
+                <a:ea typeface="Calibri" panose="020F0502020204030204" pitchFamily="34" charset="0"/>
+                <a:cs typeface="Calibri" panose="020F0502020204030204" pitchFamily="34" charset="0"/>
+              </a:rPr>
+              <a:t>python </a:t>
+            </a:r>
+            <a:r>
+              <a:rPr lang="ru-RU" sz="1600" dirty="0">
+                <a:latin typeface="Calibri" panose="020F0502020204030204" pitchFamily="34" charset="0"/>
+                <a:ea typeface="Calibri" panose="020F0502020204030204" pitchFamily="34" charset="0"/>
+                <a:cs typeface="Calibri" panose="020F0502020204030204" pitchFamily="34" charset="0"/>
+              </a:rPr>
+              <a:t>самостоятельно – используйте мой пример. </a:t>
+            </a:r>
+          </a:p>
+          <a:p>
+            <a:endParaRPr lang="ru-RU" sz="1600" b="1" dirty="0">
+              <a:latin typeface="Calibri" panose="020F0502020204030204" pitchFamily="34" charset="0"/>
+              <a:ea typeface="Calibri" panose="020F0502020204030204" pitchFamily="34" charset="0"/>
+              <a:cs typeface="Calibri" panose="020F0502020204030204" pitchFamily="34" charset="0"/>
+            </a:endParaRPr>
+          </a:p>
+          <a:p>
+            <a:r>
+              <a:rPr lang="ru-RU" sz="1100" b="1" dirty="0">
+                <a:latin typeface="Calibri" panose="020F0502020204030204" pitchFamily="34" charset="0"/>
+                <a:ea typeface="Calibri" panose="020F0502020204030204" pitchFamily="34" charset="0"/>
+                <a:cs typeface="Calibri" panose="020F0502020204030204" pitchFamily="34" charset="0"/>
+              </a:rPr>
+              <a:t>Подсказка: </a:t>
+            </a:r>
+            <a:r>
+              <a:rPr lang="ru-RU" sz="1100" dirty="0">
+                <a:latin typeface="Calibri" panose="020F0502020204030204" pitchFamily="34" charset="0"/>
+                <a:ea typeface="Calibri" panose="020F0502020204030204" pitchFamily="34" charset="0"/>
+                <a:cs typeface="Calibri" panose="020F0502020204030204" pitchFamily="34" charset="0"/>
+              </a:rPr>
+              <a:t> не все заголовки обязательно перебивать, без некоторых сервер может вернуть ответ. Выяснить какие заголовки необходимы а какие нет, можно только экспериментальным путем, если у вас нет документации. </a:t>
+            </a:r>
+            <a:endParaRPr lang="ru-RU" sz="1100" b="1" dirty="0">
+              <a:latin typeface="Calibri" panose="020F0502020204030204" pitchFamily="34" charset="0"/>
+              <a:ea typeface="Calibri" panose="020F0502020204030204" pitchFamily="34" charset="0"/>
+              <a:cs typeface="Calibri" panose="020F0502020204030204" pitchFamily="34" charset="0"/>
+            </a:endParaRPr>
+          </a:p>
+        </p:txBody>
+      </p:sp>
+    </p:spTree>
+    <p:extLst>
+      <p:ext uri="{BB962C8B-B14F-4D97-AF65-F5344CB8AC3E}">
+        <p14:creationId xmlns:p14="http://schemas.microsoft.com/office/powerpoint/2010/main" val="52255903"/>
+      </p:ext>
+    </p:extLst>
+  </p:cSld>
+  <p:clrMapOvr>
+    <a:masterClrMapping/>
+  </p:clrMapOvr>
+</p:sld>
+</file>
+
+<file path=ppt/slides/slide16.xml><?xml version="1.0" encoding="utf-8"?>
+<p:sld xmlns:a="http://schemas.openxmlformats.org/drawingml/2006/main" xmlns:r="http://schemas.openxmlformats.org/officeDocument/2006/relationships" xmlns:p="http://schemas.openxmlformats.org/presentationml/2006/main">
+  <p:cSld>
+    <p:spTree>
+      <p:nvGrpSpPr>
+        <p:cNvPr id="1" name="">
+          <a:extLst>
+            <a:ext uri="{FF2B5EF4-FFF2-40B4-BE49-F238E27FC236}">
+              <a16:creationId xmlns:a16="http://schemas.microsoft.com/office/drawing/2014/main" id="{D219069A-8CF1-83A7-E00E-5532BF578FAA}"/>
+            </a:ext>
+          </a:extLst>
+        </p:cNvPr>
+        <p:cNvGrpSpPr/>
+        <p:nvPr/>
+      </p:nvGrpSpPr>
+      <p:grpSpPr>
+        <a:xfrm>
+          <a:off x="0" y="0"/>
+          <a:ext cx="0" cy="0"/>
+          <a:chOff x="0" y="0"/>
+          <a:chExt cx="0" cy="0"/>
+        </a:xfrm>
+      </p:grpSpPr>
+      <p:sp>
+        <p:nvSpPr>
+          <p:cNvPr id="2" name="Title 1">
+            <a:extLst>
+              <a:ext uri="{FF2B5EF4-FFF2-40B4-BE49-F238E27FC236}">
+                <a16:creationId xmlns:a16="http://schemas.microsoft.com/office/drawing/2014/main" id="{CF8438B5-4EF6-0DDD-DFA9-2CBE3D73A56E}"/>
+              </a:ext>
+            </a:extLst>
+          </p:cNvPr>
+          <p:cNvSpPr>
+            <a:spLocks noGrp="1"/>
+          </p:cNvSpPr>
+          <p:nvPr>
+            <p:ph type="title"/>
+          </p:nvPr>
+        </p:nvSpPr>
+        <p:spPr>
+          <a:xfrm>
+            <a:off x="977030" y="93784"/>
+            <a:ext cx="9233770" cy="1143000"/>
+          </a:xfrm>
+        </p:spPr>
+        <p:txBody>
+          <a:bodyPr>
+            <a:noAutofit/>
+          </a:bodyPr>
+          <a:lstStyle/>
+          <a:p>
+            <a:r>
+              <a:rPr lang="ru-RU" sz="3200" b="1" dirty="0"/>
+              <a:t>Практика на </a:t>
+            </a:r>
+            <a:r>
+              <a:rPr lang="en-US" sz="3200" b="1" dirty="0"/>
+              <a:t>Python: </a:t>
+            </a:r>
+            <a:r>
+              <a:rPr lang="en-US" sz="3200" b="1" dirty="0">
+                <a:latin typeface="Calibri" panose="020F0502020204030204" pitchFamily="34" charset="0"/>
+                <a:ea typeface="Calibri" panose="020F0502020204030204" pitchFamily="34" charset="0"/>
+                <a:cs typeface="Calibri" panose="020F0502020204030204" pitchFamily="34" charset="0"/>
+              </a:rPr>
+              <a:t>“</a:t>
+            </a:r>
+            <a:r>
+              <a:rPr lang="ru-RU" sz="3200" b="1" dirty="0">
+                <a:latin typeface="Calibri" panose="020F0502020204030204" pitchFamily="34" charset="0"/>
+                <a:ea typeface="Calibri" panose="020F0502020204030204" pitchFamily="34" charset="0"/>
+                <a:cs typeface="Calibri" panose="020F0502020204030204" pitchFamily="34" charset="0"/>
+              </a:rPr>
+              <a:t>украдем</a:t>
+            </a:r>
+            <a:r>
+              <a:rPr lang="en-US" sz="3200" b="1" dirty="0">
+                <a:latin typeface="Calibri" panose="020F0502020204030204" pitchFamily="34" charset="0"/>
+                <a:ea typeface="Calibri" panose="020F0502020204030204" pitchFamily="34" charset="0"/>
+                <a:cs typeface="Calibri" panose="020F0502020204030204" pitchFamily="34" charset="0"/>
+              </a:rPr>
+              <a:t>” </a:t>
+            </a:r>
+            <a:r>
+              <a:rPr lang="ru-RU" sz="3200" b="1" dirty="0">
+                <a:latin typeface="Calibri" panose="020F0502020204030204" pitchFamily="34" charset="0"/>
+                <a:ea typeface="Calibri" panose="020F0502020204030204" pitchFamily="34" charset="0"/>
+                <a:cs typeface="Calibri" panose="020F0502020204030204" pitchFamily="34" charset="0"/>
+              </a:rPr>
+              <a:t>публичный </a:t>
+            </a:r>
+            <a:r>
+              <a:rPr lang="en-US" sz="3200" b="1" dirty="0">
+                <a:latin typeface="Calibri" panose="020F0502020204030204" pitchFamily="34" charset="0"/>
+                <a:ea typeface="Calibri" panose="020F0502020204030204" pitchFamily="34" charset="0"/>
+                <a:cs typeface="Calibri" panose="020F0502020204030204" pitchFamily="34" charset="0"/>
+              </a:rPr>
+              <a:t>API </a:t>
+            </a:r>
+            <a:endParaRPr lang="en-US" sz="3200" b="1" dirty="0"/>
+          </a:p>
+        </p:txBody>
+      </p:sp>
+      <p:sp>
+        <p:nvSpPr>
+          <p:cNvPr id="4" name="TextBox 3">
+            <a:extLst>
+              <a:ext uri="{FF2B5EF4-FFF2-40B4-BE49-F238E27FC236}">
+                <a16:creationId xmlns:a16="http://schemas.microsoft.com/office/drawing/2014/main" id="{E0E3B1EC-12E3-1D59-41FC-DFEE21D42819}"/>
+              </a:ext>
+            </a:extLst>
+          </p:cNvPr>
+          <p:cNvSpPr txBox="1"/>
+          <p:nvPr/>
+        </p:nvSpPr>
+        <p:spPr>
+          <a:xfrm>
+            <a:off x="729887" y="3081555"/>
+            <a:ext cx="9622427" cy="1477328"/>
+          </a:xfrm>
+          <a:prstGeom prst="rect">
+            <a:avLst/>
+          </a:prstGeom>
+          <a:noFill/>
+        </p:spPr>
+        <p:txBody>
+          <a:bodyPr wrap="square">
+            <a:spAutoFit/>
+          </a:bodyPr>
+          <a:lstStyle/>
+          <a:p>
+            <a:r>
+              <a:rPr lang="ru-RU" b="1" dirty="0"/>
+              <a:t>Задача 2</a:t>
+            </a:r>
+          </a:p>
+          <a:p>
+            <a:endParaRPr lang="ru-RU" dirty="0"/>
+          </a:p>
+          <a:p>
+            <a:r>
+              <a:rPr lang="en-US" dirty="0">
+                <a:hlinkClick r:id="rId3"/>
+              </a:rPr>
+              <a:t>https://finance.yahoo.com/</a:t>
+            </a:r>
+            <a:r>
+              <a:rPr lang="ru-RU" dirty="0"/>
+              <a:t> </a:t>
+            </a:r>
+          </a:p>
+          <a:p>
+            <a:r>
+              <a:rPr lang="ru-RU" dirty="0"/>
+              <a:t>- Пройдите по ссылке, найдите </a:t>
+            </a:r>
+            <a:r>
+              <a:rPr lang="ru-RU" dirty="0" err="1"/>
+              <a:t>апи</a:t>
+            </a:r>
+            <a:r>
+              <a:rPr lang="ru-RU" dirty="0"/>
+              <a:t> по поиску эмитентов, научитесь искать эмитенты с помощью </a:t>
+            </a:r>
+            <a:r>
+              <a:rPr lang="en-US" dirty="0"/>
+              <a:t>python</a:t>
+            </a:r>
+            <a:r>
+              <a:rPr lang="ru-RU" dirty="0"/>
+              <a:t>: напишите функцию, которая по тикеру находит имя эмитента.</a:t>
+            </a:r>
+            <a:endParaRPr lang="en-US" dirty="0"/>
+          </a:p>
+        </p:txBody>
+      </p:sp>
+      <p:sp>
+        <p:nvSpPr>
+          <p:cNvPr id="7" name="TextBox 6">
+            <a:extLst>
+              <a:ext uri="{FF2B5EF4-FFF2-40B4-BE49-F238E27FC236}">
+                <a16:creationId xmlns:a16="http://schemas.microsoft.com/office/drawing/2014/main" id="{92DAB839-D3E6-855F-050A-0B162ACBE2E8}"/>
+              </a:ext>
+            </a:extLst>
+          </p:cNvPr>
+          <p:cNvSpPr txBox="1"/>
+          <p:nvPr/>
+        </p:nvSpPr>
+        <p:spPr>
+          <a:xfrm>
+            <a:off x="729887" y="4676893"/>
+            <a:ext cx="6097088" cy="1477328"/>
+          </a:xfrm>
+          <a:prstGeom prst="rect">
+            <a:avLst/>
+          </a:prstGeom>
+          <a:noFill/>
+        </p:spPr>
+        <p:txBody>
+          <a:bodyPr wrap="square">
+            <a:spAutoFit/>
+          </a:bodyPr>
+          <a:lstStyle/>
+          <a:p>
+            <a:r>
+              <a:rPr lang="ru-RU" b="1" dirty="0"/>
+              <a:t>Задача 3</a:t>
+            </a:r>
+          </a:p>
+          <a:p>
+            <a:endParaRPr lang="ru-RU" dirty="0"/>
+          </a:p>
+          <a:p>
+            <a:r>
+              <a:rPr lang="en-US" dirty="0">
+                <a:hlinkClick r:id="rId4"/>
+              </a:rPr>
+              <a:t>https://www.marketwatch.com/</a:t>
+            </a:r>
+            <a:endParaRPr lang="ru-RU" dirty="0"/>
+          </a:p>
+          <a:p>
+            <a:r>
+              <a:rPr lang="en-US" dirty="0"/>
+              <a:t>- </a:t>
+            </a:r>
+            <a:r>
+              <a:rPr lang="ru-RU" dirty="0"/>
+              <a:t>Найдите любой произвольный на беке и </a:t>
+            </a:r>
+            <a:r>
+              <a:rPr lang="ru-RU" dirty="0" err="1"/>
+              <a:t>научитеь</a:t>
+            </a:r>
+            <a:r>
+              <a:rPr lang="ru-RU" dirty="0"/>
+              <a:t> его вызывать.</a:t>
+            </a:r>
+            <a:endParaRPr lang="en-US" dirty="0"/>
+          </a:p>
+        </p:txBody>
+      </p:sp>
+      <p:sp>
+        <p:nvSpPr>
+          <p:cNvPr id="8" name="TextBox 7">
+            <a:extLst>
+              <a:ext uri="{FF2B5EF4-FFF2-40B4-BE49-F238E27FC236}">
+                <a16:creationId xmlns:a16="http://schemas.microsoft.com/office/drawing/2014/main" id="{0DB999C5-8A86-641A-9BC5-22CDC81AB957}"/>
+              </a:ext>
+            </a:extLst>
+          </p:cNvPr>
+          <p:cNvSpPr txBox="1"/>
+          <p:nvPr/>
+        </p:nvSpPr>
+        <p:spPr>
+          <a:xfrm>
+            <a:off x="729887" y="1283456"/>
+            <a:ext cx="11575324" cy="1754326"/>
+          </a:xfrm>
+          <a:prstGeom prst="rect">
+            <a:avLst/>
+          </a:prstGeom>
+          <a:noFill/>
+        </p:spPr>
+        <p:txBody>
+          <a:bodyPr wrap="square">
+            <a:spAutoFit/>
+          </a:bodyPr>
+          <a:lstStyle/>
+          <a:p>
+            <a:r>
+              <a:rPr lang="ru-RU" b="1" dirty="0"/>
+              <a:t>Задача 1</a:t>
+            </a:r>
+          </a:p>
+          <a:p>
+            <a:endParaRPr lang="ru-RU" dirty="0"/>
+          </a:p>
+          <a:p>
+            <a:r>
+              <a:rPr lang="en-US" dirty="0">
+                <a:hlinkClick r:id="rId5"/>
+              </a:rPr>
+              <a:t>https://xn--80atbdbsooh2gqb.xn--d1aqf.xn--p1ai/files/%D0%9A%D0%BE%D0%BD%D0%B2%D0%B5%D0%BD%D1%86%D0%B8%D1%8F%20%D0%98%D0%A6%D0%91%20%D0%94%D0%9E%D0%9C.%D0%A0%D0%A4.pdf#getPoolsData</a:t>
+            </a:r>
+            <a:endParaRPr lang="ru-RU" dirty="0"/>
+          </a:p>
+          <a:p>
+            <a:r>
+              <a:rPr lang="ru-RU" dirty="0"/>
+              <a:t>- Ознакомьтесь с документацией </a:t>
+            </a:r>
+            <a:r>
+              <a:rPr lang="en-US" dirty="0"/>
+              <a:t>API </a:t>
+            </a:r>
+            <a:r>
+              <a:rPr lang="ru-RU" dirty="0" err="1"/>
+              <a:t>Дом.РФ</a:t>
+            </a:r>
+            <a:r>
+              <a:rPr lang="ru-RU" dirty="0"/>
+              <a:t> и научитесь вызывать один из представленных </a:t>
+            </a:r>
+            <a:r>
+              <a:rPr lang="en-US" dirty="0"/>
+              <a:t>end-point</a:t>
+            </a:r>
+            <a:r>
+              <a:rPr lang="ru-RU" dirty="0"/>
+              <a:t> </a:t>
+            </a:r>
+            <a:r>
+              <a:rPr lang="ru-RU" dirty="0" err="1"/>
+              <a:t>ов</a:t>
+            </a:r>
+            <a:endParaRPr lang="en-US" dirty="0"/>
+          </a:p>
+        </p:txBody>
+      </p:sp>
+    </p:spTree>
+    <p:extLst>
+      <p:ext uri="{BB962C8B-B14F-4D97-AF65-F5344CB8AC3E}">
+        <p14:creationId xmlns:p14="http://schemas.microsoft.com/office/powerpoint/2010/main" val="1518889847"/>
       </p:ext>
     </p:extLst>
   </p:cSld>
